--- a/ppt/dotNet02-Presentation.pptx
+++ b/ppt/dotNet02-Presentation.pptx
@@ -9426,7 +9426,7 @@
           <a:p>
             <a:r>
               <a:rPr lang="fr-FR" dirty="0"/>
-              <a:t>Création d’in projet monolithique</a:t>
+              <a:t>Création d’un projet monolithique</a:t>
             </a:r>
           </a:p>
           <a:p>
